--- a/Fisier text/New Microsoft PowerPoint Presentation.pptx
+++ b/Fisier text/New Microsoft PowerPoint Presentation.pptx
@@ -104,6 +104,11 @@
       </a:defRPr>
     </a:lvl9pPr>
   </p:defaultTextStyle>
+  <p:extLst>
+    <p:ext uri="{EFAFB233-063F-42B5-8137-9DF3F51BA10A}">
+      <p15:sldGuideLst xmlns:p15="http://schemas.microsoft.com/office/powerpoint/2012/main"/>
+    </p:ext>
+  </p:extLst>
 </p:presentation>
 </file>
 
@@ -152,7 +157,6 @@
               <a:rPr lang="en-US"/>
               <a:t>Click to edit Master title style</a:t>
             </a:r>
-            <a:endParaRPr lang="en-US"/>
           </a:p>
         </p:txBody>
       </p:sp>
@@ -217,7 +221,6 @@
               <a:rPr lang="en-US"/>
               <a:t>Click to edit Master subtitle style</a:t>
             </a:r>
-            <a:endParaRPr lang="en-US"/>
           </a:p>
         </p:txBody>
       </p:sp>
@@ -335,7 +338,6 @@
               <a:rPr lang="en-US"/>
               <a:t>Click to edit Master title style</a:t>
             </a:r>
-            <a:endParaRPr lang="en-US"/>
           </a:p>
         </p:txBody>
       </p:sp>
@@ -387,7 +389,6 @@
               <a:rPr lang="en-US"/>
               <a:t>Fifth level</a:t>
             </a:r>
-            <a:endParaRPr lang="en-US"/>
           </a:p>
         </p:txBody>
       </p:sp>
@@ -510,7 +511,6 @@
               <a:rPr lang="en-US"/>
               <a:t>Click to edit Master title style</a:t>
             </a:r>
-            <a:endParaRPr lang="en-US"/>
           </a:p>
         </p:txBody>
       </p:sp>
@@ -567,7 +567,6 @@
               <a:rPr lang="en-US"/>
               <a:t>Fifth level</a:t>
             </a:r>
-            <a:endParaRPr lang="en-US"/>
           </a:p>
         </p:txBody>
       </p:sp>
@@ -685,7 +684,6 @@
               <a:rPr lang="en-US"/>
               <a:t>Click to edit Master title style</a:t>
             </a:r>
-            <a:endParaRPr lang="en-US"/>
           </a:p>
         </p:txBody>
       </p:sp>
@@ -737,7 +735,6 @@
               <a:rPr lang="en-US"/>
               <a:t>Fifth level</a:t>
             </a:r>
-            <a:endParaRPr lang="en-US"/>
           </a:p>
         </p:txBody>
       </p:sp>
@@ -864,7 +861,6 @@
               <a:rPr lang="en-US"/>
               <a:t>Click to edit Master title style</a:t>
             </a:r>
-            <a:endParaRPr lang="en-US"/>
           </a:p>
         </p:txBody>
       </p:sp>
@@ -1101,7 +1097,6 @@
               <a:rPr lang="en-US"/>
               <a:t>Click to edit Master title style</a:t>
             </a:r>
-            <a:endParaRPr lang="en-US"/>
           </a:p>
         </p:txBody>
       </p:sp>
@@ -1158,7 +1153,6 @@
               <a:rPr lang="en-US"/>
               <a:t>Fifth level</a:t>
             </a:r>
-            <a:endParaRPr lang="en-US"/>
           </a:p>
         </p:txBody>
       </p:sp>
@@ -1215,7 +1209,6 @@
               <a:rPr lang="en-US"/>
               <a:t>Fifth level</a:t>
             </a:r>
-            <a:endParaRPr lang="en-US"/>
           </a:p>
         </p:txBody>
       </p:sp>
@@ -1338,7 +1331,6 @@
               <a:rPr lang="en-US"/>
               <a:t>Click to edit Master title style</a:t>
             </a:r>
-            <a:endParaRPr lang="en-US"/>
           </a:p>
         </p:txBody>
       </p:sp>
@@ -1460,7 +1452,6 @@
               <a:rPr lang="en-US"/>
               <a:t>Fifth level</a:t>
             </a:r>
-            <a:endParaRPr lang="en-US"/>
           </a:p>
         </p:txBody>
       </p:sp>
@@ -1582,7 +1573,6 @@
               <a:rPr lang="en-US"/>
               <a:t>Fifth level</a:t>
             </a:r>
-            <a:endParaRPr lang="en-US"/>
           </a:p>
         </p:txBody>
       </p:sp>
@@ -1700,7 +1690,6 @@
               <a:rPr lang="en-US"/>
               <a:t>Click to edit Master title style</a:t>
             </a:r>
-            <a:endParaRPr lang="en-US"/>
           </a:p>
         </p:txBody>
       </p:sp>
@@ -1922,7 +1911,6 @@
               <a:rPr lang="en-US"/>
               <a:t>Click to edit Master title style</a:t>
             </a:r>
-            <a:endParaRPr lang="en-US"/>
           </a:p>
         </p:txBody>
       </p:sp>
@@ -2007,7 +1995,6 @@
               <a:rPr lang="en-US"/>
               <a:t>Fifth level</a:t>
             </a:r>
-            <a:endParaRPr lang="en-US"/>
           </a:p>
         </p:txBody>
       </p:sp>
@@ -2199,7 +2186,6 @@
               <a:rPr lang="en-US"/>
               <a:t>Click to edit Master title style</a:t>
             </a:r>
-            <a:endParaRPr lang="en-US"/>
           </a:p>
         </p:txBody>
       </p:sp>
@@ -2458,7 +2444,6 @@
               <a:rPr lang="en-US"/>
               <a:t>Click to edit Master title style</a:t>
             </a:r>
-            <a:endParaRPr lang="en-US"/>
           </a:p>
         </p:txBody>
       </p:sp>
@@ -2520,7 +2505,6 @@
               <a:rPr lang="en-US"/>
               <a:t>Fifth level</a:t>
             </a:r>
-            <a:endParaRPr lang="en-US"/>
           </a:p>
         </p:txBody>
       </p:sp>
@@ -3042,6 +3026,49 @@
           </a:p>
         </p:txBody>
       </p:sp>
+      <p:sp>
+        <p:nvSpPr>
+          <p:cNvPr id="5" name="Rectangle 4"/>
+          <p:cNvSpPr/>
+          <p:nvPr/>
+        </p:nvSpPr>
+        <p:spPr>
+          <a:xfrm>
+            <a:off x="587829" y="895739"/>
+            <a:ext cx="5029200" cy="4362061"/>
+          </a:xfrm>
+          <a:prstGeom prst="rect">
+            <a:avLst/>
+          </a:prstGeom>
+          <a:solidFill>
+            <a:srgbClr val="92D050"/>
+          </a:solidFill>
+        </p:spPr>
+        <p:style>
+          <a:lnRef idx="2">
+            <a:schemeClr val="accent1">
+              <a:shade val="50000"/>
+            </a:schemeClr>
+          </a:lnRef>
+          <a:fillRef idx="1">
+            <a:schemeClr val="accent1"/>
+          </a:fillRef>
+          <a:effectRef idx="0">
+            <a:schemeClr val="accent1"/>
+          </a:effectRef>
+          <a:fontRef idx="minor">
+            <a:schemeClr val="lt1"/>
+          </a:fontRef>
+        </p:style>
+        <p:txBody>
+          <a:bodyPr rtlCol="0" anchor="ctr"/>
+          <a:lstStyle/>
+          <a:p>
+            <a:pPr algn="ctr"/>
+            <a:endParaRPr lang="en-US"/>
+          </a:p>
+        </p:txBody>
+      </p:sp>
     </p:spTree>
     <p:extLst>
       <p:ext uri="{BB962C8B-B14F-4D97-AF65-F5344CB8AC3E}">
